--- a/Projet_4/p4.pptx
+++ b/Projet_4/p4.pptx
@@ -16686,7 +16686,7 @@
           <a:p>
             <a:r>
               <a:rPr lang="fr-FR" dirty="0"/>
-              <a:t>Les résultats pour les compagnies AS et EV.</a:t>
+              <a:t>Les résultats pour les compagnies AS et F9.</a:t>
             </a:r>
           </a:p>
         </p:txBody>
@@ -16765,42 +16765,6 @@
         <p:spPr>
           <a:xfrm>
             <a:off x="243758" y="2122604"/>
-            <a:ext cx="5971421" cy="3980947"/>
-          </a:xfrm>
-          <a:prstGeom prst="rect">
-            <a:avLst/>
-          </a:prstGeom>
-        </p:spPr>
-      </p:pic>
-      <p:pic>
-        <p:nvPicPr>
-          <p:cNvPr id="8" name="Image 7">
-            <a:extLst>
-              <a:ext uri="{FF2B5EF4-FFF2-40B4-BE49-F238E27FC236}">
-                <a16:creationId xmlns:a16="http://schemas.microsoft.com/office/drawing/2014/main" id="{659B8007-747D-4D05-B817-B7D605121429}"/>
-              </a:ext>
-            </a:extLst>
-          </p:cNvPr>
-          <p:cNvPicPr>
-            <a:picLocks noChangeAspect="1"/>
-          </p:cNvPicPr>
-          <p:nvPr/>
-        </p:nvPicPr>
-        <p:blipFill>
-          <a:blip r:embed="rId3">
-            <a:extLst>
-              <a:ext uri="{28A0092B-C50C-407E-A947-70E740481C1C}">
-                <a14:useLocalDpi xmlns:a14="http://schemas.microsoft.com/office/drawing/2010/main" val="0"/>
-              </a:ext>
-            </a:extLst>
-          </a:blip>
-          <a:stretch>
-            <a:fillRect/>
-          </a:stretch>
-        </p:blipFill>
-        <p:spPr>
-          <a:xfrm>
-            <a:off x="6197252" y="2122604"/>
             <a:ext cx="5971421" cy="3980947"/>
           </a:xfrm>
           <a:prstGeom prst="rect">
@@ -16915,11 +16879,47 @@
             </a:r>
             <a:r>
               <a:rPr lang="fr-FR" sz="2000" dirty="0"/>
-              <a:t> : 14.66 min</a:t>
+              <a:t> : 16.59 min</a:t>
             </a:r>
           </a:p>
         </p:txBody>
       </p:sp>
+      <p:pic>
+        <p:nvPicPr>
+          <p:cNvPr id="14" name="Image 13">
+            <a:extLst>
+              <a:ext uri="{FF2B5EF4-FFF2-40B4-BE49-F238E27FC236}">
+                <a16:creationId xmlns:a16="http://schemas.microsoft.com/office/drawing/2014/main" id="{5A2E7A7B-161F-4C3C-8355-1410F4897112}"/>
+              </a:ext>
+            </a:extLst>
+          </p:cNvPr>
+          <p:cNvPicPr>
+            <a:picLocks noChangeAspect="1"/>
+          </p:cNvPicPr>
+          <p:nvPr/>
+        </p:nvPicPr>
+        <p:blipFill>
+          <a:blip r:embed="rId3">
+            <a:extLst>
+              <a:ext uri="{28A0092B-C50C-407E-A947-70E740481C1C}">
+                <a14:useLocalDpi xmlns:a14="http://schemas.microsoft.com/office/drawing/2010/main" val="0"/>
+              </a:ext>
+            </a:extLst>
+          </a:blip>
+          <a:stretch>
+            <a:fillRect/>
+          </a:stretch>
+        </p:blipFill>
+        <p:spPr>
+          <a:xfrm>
+            <a:off x="6197251" y="2138448"/>
+            <a:ext cx="5971422" cy="3980948"/>
+          </a:xfrm>
+          <a:prstGeom prst="rect">
+            <a:avLst/>
+          </a:prstGeom>
+        </p:spPr>
+      </p:pic>
     </p:spTree>
     <p:extLst>
       <p:ext uri="{BB962C8B-B14F-4D97-AF65-F5344CB8AC3E}">
@@ -17057,7 +17057,7 @@
                             </p:stCondLst>
                             <p:childTnLst>
                               <p:par>
-                                <p:cTn id="13" presetID="1" presetClass="entr" presetSubtype="0" fill="hold" grpId="0" nodeType="clickEffect">
+                                <p:cTn id="13" presetID="1" presetClass="entr" presetSubtype="0" fill="hold" nodeType="clickEffect">
                                   <p:stCondLst>
                                     <p:cond delay="0"/>
                                   </p:stCondLst>
@@ -17070,7 +17070,7 @@
                                           </p:stCondLst>
                                         </p:cTn>
                                         <p:tgtEl>
-                                          <p:spTgt spid="10"/>
+                                          <p:spTgt spid="14"/>
                                         </p:tgtEl>
                                         <p:attrNameLst>
                                           <p:attrName>style.visibility</p:attrName>
@@ -17102,7 +17102,7 @@
                             </p:stCondLst>
                             <p:childTnLst>
                               <p:par>
-                                <p:cTn id="17" presetID="1" presetClass="entr" presetSubtype="0" fill="hold" nodeType="clickEffect">
+                                <p:cTn id="17" presetID="1" presetClass="entr" presetSubtype="0" fill="hold" grpId="0" nodeType="clickEffect">
                                   <p:stCondLst>
                                     <p:cond delay="0"/>
                                   </p:stCondLst>
@@ -17115,7 +17115,7 @@
                                           </p:stCondLst>
                                         </p:cTn>
                                         <p:tgtEl>
-                                          <p:spTgt spid="8"/>
+                                          <p:spTgt spid="10"/>
                                         </p:tgtEl>
                                         <p:attrNameLst>
                                           <p:attrName>style.visibility</p:attrName>
@@ -17399,7 +17399,7 @@
         </p:blipFill>
         <p:spPr>
           <a:xfrm>
-            <a:off x="6155602" y="1973654"/>
+            <a:off x="6096000" y="1973652"/>
             <a:ext cx="6036398" cy="4024265"/>
           </a:xfrm>
           <a:prstGeom prst="rect">
@@ -20759,7 +20759,7 @@
           <a:p>
             <a:r>
               <a:rPr lang="fr-FR" dirty="0"/>
-              <a:t>Résultat pour la compagnie EV</a:t>
+              <a:t>Résultat pour la compagnie F9</a:t>
             </a:r>
           </a:p>
         </p:txBody>
@@ -20860,7 +20860,7 @@
             </a:r>
             <a:r>
               <a:rPr lang="fr-FR" sz="2000" dirty="0"/>
-              <a:t> : 14.66 min</a:t>
+              <a:t> : 16.59 min</a:t>
             </a:r>
           </a:p>
         </p:txBody>
@@ -20928,17 +20928,17 @@
                   <a:srgbClr val="FF0000"/>
                 </a:solidFill>
               </a:rPr>
-              <a:t> : 14.67 min</a:t>
+              <a:t> : 16.56 min</a:t>
             </a:r>
           </a:p>
         </p:txBody>
       </p:sp>
       <p:pic>
         <p:nvPicPr>
-          <p:cNvPr id="12" name="Image 11">
+          <p:cNvPr id="14" name="Image 13">
             <a:extLst>
               <a:ext uri="{FF2B5EF4-FFF2-40B4-BE49-F238E27FC236}">
-                <a16:creationId xmlns:a16="http://schemas.microsoft.com/office/drawing/2014/main" id="{12F23E70-DAE6-42C4-BB3A-E5F5EBA1C18D}"/>
+                <a16:creationId xmlns:a16="http://schemas.microsoft.com/office/drawing/2014/main" id="{2464CDAB-96ED-49AD-8190-D733A431DE5C}"/>
               </a:ext>
             </a:extLst>
           </p:cNvPr>
@@ -20961,8 +20961,8 @@
         </p:blipFill>
         <p:spPr>
           <a:xfrm>
-            <a:off x="2023539" y="2011260"/>
-            <a:ext cx="10025122" cy="4010049"/>
+            <a:off x="1925001" y="2009869"/>
+            <a:ext cx="10141767" cy="4056707"/>
           </a:xfrm>
           <a:prstGeom prst="rect">
             <a:avLst/>
@@ -21061,7 +21061,7 @@
                             </p:stCondLst>
                             <p:childTnLst>
                               <p:par>
-                                <p:cTn id="9" presetID="1" presetClass="entr" presetSubtype="0" fill="hold" grpId="0" nodeType="clickEffect">
+                                <p:cTn id="9" presetID="1" presetClass="entr" presetSubtype="0" fill="hold" nodeType="clickEffect">
                                   <p:stCondLst>
                                     <p:cond delay="0"/>
                                   </p:stCondLst>
@@ -21074,7 +21074,7 @@
                                           </p:stCondLst>
                                         </p:cTn>
                                         <p:tgtEl>
-                                          <p:spTgt spid="9"/>
+                                          <p:spTgt spid="14"/>
                                         </p:tgtEl>
                                         <p:attrNameLst>
                                           <p:attrName>style.visibility</p:attrName>
@@ -21119,6 +21119,51 @@
                                           </p:stCondLst>
                                         </p:cTn>
                                         <p:tgtEl>
+                                          <p:spTgt spid="9"/>
+                                        </p:tgtEl>
+                                        <p:attrNameLst>
+                                          <p:attrName>style.visibility</p:attrName>
+                                        </p:attrNameLst>
+                                      </p:cBhvr>
+                                      <p:to>
+                                        <p:strVal val="visible"/>
+                                      </p:to>
+                                    </p:set>
+                                  </p:childTnLst>
+                                </p:cTn>
+                              </p:par>
+                            </p:childTnLst>
+                          </p:cTn>
+                        </p:par>
+                      </p:childTnLst>
+                    </p:cTn>
+                  </p:par>
+                  <p:par>
+                    <p:cTn id="15" fill="hold">
+                      <p:stCondLst>
+                        <p:cond delay="indefinite"/>
+                      </p:stCondLst>
+                      <p:childTnLst>
+                        <p:par>
+                          <p:cTn id="16" fill="hold">
+                            <p:stCondLst>
+                              <p:cond delay="0"/>
+                            </p:stCondLst>
+                            <p:childTnLst>
+                              <p:par>
+                                <p:cTn id="17" presetID="1" presetClass="entr" presetSubtype="0" fill="hold" grpId="0" nodeType="clickEffect">
+                                  <p:stCondLst>
+                                    <p:cond delay="0"/>
+                                  </p:stCondLst>
+                                  <p:childTnLst>
+                                    <p:set>
+                                      <p:cBhvr>
+                                        <p:cTn id="18" dur="1" fill="hold">
+                                          <p:stCondLst>
+                                            <p:cond delay="0"/>
+                                          </p:stCondLst>
+                                        </p:cTn>
+                                        <p:tgtEl>
                                           <p:spTgt spid="10"/>
                                         </p:tgtEl>
                                         <p:attrNameLst>
@@ -21136,20 +21181,20 @@
                           </p:cTn>
                         </p:par>
                         <p:par>
-                          <p:cTn id="15" fill="hold">
+                          <p:cTn id="19" fill="hold">
                             <p:stCondLst>
                               <p:cond delay="0"/>
                             </p:stCondLst>
                             <p:childTnLst>
                               <p:par>
-                                <p:cTn id="16" presetID="1" presetClass="entr" presetSubtype="0" fill="hold" grpId="0" nodeType="afterEffect">
+                                <p:cTn id="20" presetID="1" presetClass="entr" presetSubtype="0" fill="hold" grpId="0" nodeType="afterEffect">
                                   <p:stCondLst>
                                     <p:cond delay="0"/>
                                   </p:stCondLst>
                                   <p:childTnLst>
                                     <p:set>
                                       <p:cBhvr>
-                                        <p:cTn id="17" dur="1" fill="hold">
+                                        <p:cTn id="21" dur="1" fill="hold">
                                           <p:stCondLst>
                                             <p:cond delay="0"/>
                                           </p:stCondLst>
@@ -21269,7 +21314,7 @@
         <p:spPr/>
         <p:txBody>
           <a:bodyPr>
-            <a:normAutofit lnSpcReduction="10000"/>
+            <a:normAutofit/>
           </a:bodyPr>
           <a:lstStyle/>
           <a:p>
@@ -21277,21 +21322,6 @@
             <a:r>
               <a:rPr lang="fr-FR" dirty="0"/>
               <a:t>Dans l’ensemble, on note une légère amélioration des prédictions pour l’ensemble des compagnies.</a:t>
-            </a:r>
-          </a:p>
-          <a:p>
-            <a:pPr algn="just"/>
-            <a:r>
-              <a:rPr lang="fr-FR" dirty="0"/>
-              <a:t>Pour la compagnie EV présenté ici, il est intéressant de constater que l’utilisation d’une </a:t>
-            </a:r>
-            <a:r>
-              <a:rPr lang="fr-FR" dirty="0" err="1"/>
-              <a:t>gridsearch</a:t>
-            </a:r>
-            <a:r>
-              <a:rPr lang="fr-FR" dirty="0"/>
-              <a:t> n’a pas permis d’améliorer les résultats.</a:t>
             </a:r>
           </a:p>
           <a:p>
@@ -21517,70 +21547,21 @@
                             </p:childTnLst>
                           </p:cTn>
                         </p:par>
-                      </p:childTnLst>
-                    </p:cTn>
-                  </p:par>
-                  <p:par>
-                    <p:cTn id="15" fill="hold">
-                      <p:stCondLst>
-                        <p:cond delay="indefinite"/>
-                      </p:stCondLst>
-                      <p:childTnLst>
                         <p:par>
-                          <p:cTn id="16" fill="hold">
+                          <p:cTn id="15" fill="hold">
                             <p:stCondLst>
                               <p:cond delay="0"/>
                             </p:stCondLst>
                             <p:childTnLst>
                               <p:par>
-                                <p:cTn id="17" presetID="1" presetClass="entr" presetSubtype="0" fill="hold" nodeType="clickEffect">
+                                <p:cTn id="16" presetID="1" presetClass="entr" presetSubtype="0" fill="hold" grpId="0" nodeType="afterEffect">
                                   <p:stCondLst>
                                     <p:cond delay="0"/>
                                   </p:stCondLst>
                                   <p:childTnLst>
                                     <p:set>
                                       <p:cBhvr>
-                                        <p:cTn id="18" dur="1" fill="hold">
-                                          <p:stCondLst>
-                                            <p:cond delay="0"/>
-                                          </p:stCondLst>
-                                        </p:cTn>
-                                        <p:tgtEl>
-                                          <p:spTgt spid="3">
-                                            <p:txEl>
-                                              <p:pRg st="3" end="3"/>
-                                            </p:txEl>
-                                          </p:spTgt>
-                                        </p:tgtEl>
-                                        <p:attrNameLst>
-                                          <p:attrName>style.visibility</p:attrName>
-                                        </p:attrNameLst>
-                                      </p:cBhvr>
-                                      <p:to>
-                                        <p:strVal val="visible"/>
-                                      </p:to>
-                                    </p:set>
-                                  </p:childTnLst>
-                                </p:cTn>
-                              </p:par>
-                            </p:childTnLst>
-                          </p:cTn>
-                        </p:par>
-                        <p:par>
-                          <p:cTn id="19" fill="hold">
-                            <p:stCondLst>
-                              <p:cond delay="0"/>
-                            </p:stCondLst>
-                            <p:childTnLst>
-                              <p:par>
-                                <p:cTn id="20" presetID="1" presetClass="entr" presetSubtype="0" fill="hold" grpId="0" nodeType="afterEffect">
-                                  <p:stCondLst>
-                                    <p:cond delay="0"/>
-                                  </p:stCondLst>
-                                  <p:childTnLst>
-                                    <p:set>
-                                      <p:cBhvr>
-                                        <p:cTn id="21" dur="1" fill="hold">
+                                        <p:cTn id="17" dur="1" fill="hold">
                                           <p:stCondLst>
                                             <p:cond delay="0"/>
                                           </p:stCondLst>
